--- a/Planification/Imepro.pptx
+++ b/Planification/Imepro.pptx
@@ -11260,13 +11260,22 @@
               <a:buChar char=""/>
             </a:pPr>
             <a:r>
-              <a:rPr lang="fr-FR" sz="2000" spc="-1" dirty="0">
+              <a:rPr lang="fr-CH" sz="2000" spc="-1" dirty="0">
                 <a:solidFill>
                   <a:srgbClr val="404040"/>
                 </a:solidFill>
                 <a:latin typeface="Trebuchet MS"/>
               </a:rPr>
-              <a:t>intuitive</a:t>
+              <a:t>I</a:t>
+            </a:r>
+            <a:r>
+              <a:rPr lang="fr-FR" sz="2000" spc="-1" dirty="0" err="1">
+                <a:solidFill>
+                  <a:srgbClr val="404040"/>
+                </a:solidFill>
+                <a:latin typeface="Trebuchet MS"/>
+              </a:rPr>
+              <a:t>ntuitive</a:t>
             </a:r>
             <a:endParaRPr lang="en-US" sz="2000" b="0" strike="noStrike" spc="-1" dirty="0">
               <a:solidFill>
@@ -17899,7 +17908,7 @@
                 </a:solidFill>
                 <a:latin typeface="Trebuchet MS"/>
               </a:rPr>
-              <a:t>Écran</a:t>
+              <a:t> Écran</a:t>
             </a:r>
             <a:endParaRPr lang="fr-CH" sz="2600" b="0" strike="noStrike" spc="-1" dirty="0">
               <a:solidFill>
@@ -21132,31 +21141,6 @@
           <a:chExt cx="0" cy="0"/>
         </a:xfrm>
       </p:grpSpPr>
-      <p:sp>
-        <p:nvSpPr>
-          <p:cNvPr id="3" name="Sous-titre 2">
-            <a:extLst>
-              <a:ext uri="{FF2B5EF4-FFF2-40B4-BE49-F238E27FC236}">
-                <a16:creationId xmlns:a16="http://schemas.microsoft.com/office/drawing/2014/main" id="{40C4C2D7-4331-642D-03AB-FD69738D36AB}"/>
-              </a:ext>
-            </a:extLst>
-          </p:cNvPr>
-          <p:cNvSpPr>
-            <a:spLocks noGrp="1"/>
-          </p:cNvSpPr>
-          <p:nvPr>
-            <p:ph type="subTitle"/>
-          </p:nvPr>
-        </p:nvSpPr>
-        <p:spPr/>
-        <p:txBody>
-          <a:bodyPr/>
-          <a:lstStyle/>
-          <a:p>
-            <a:endParaRPr lang="fr-CH"/>
-          </a:p>
-        </p:txBody>
-      </p:sp>
       <p:pic>
         <p:nvPicPr>
           <p:cNvPr id="4" name="Image 3">
@@ -21808,7 +21792,7 @@
         <p:spPr>
           <a:xfrm>
             <a:off x="677160" y="2532300"/>
-            <a:ext cx="1845060" cy="828120"/>
+            <a:ext cx="2865472" cy="896700"/>
           </a:xfrm>
           <a:prstGeom prst="rect">
             <a:avLst/>
@@ -21820,7 +21804,7 @@
         </p:spPr>
         <p:txBody>
           <a:bodyPr lIns="0" tIns="0" rIns="0" bIns="0" anchor="t">
-            <a:normAutofit/>
+            <a:normAutofit fontScale="92500" lnSpcReduction="20000"/>
           </a:bodyPr>
           <a:lstStyle>
             <a:lvl1pPr algn="l" defTabSz="914400" rtl="0" eaLnBrk="1" latinLnBrk="0" hangingPunct="1">
@@ -21865,6 +21849,21 @@
               </a:rPr>
               <a:t>Urls autorisé</a:t>
             </a:r>
+            <a:r>
+              <a:rPr lang="fr-CH" sz="2000" spc="-1" dirty="0">
+                <a:solidFill>
+                  <a:srgbClr val="404040"/>
+                </a:solidFill>
+                <a:latin typeface="Trebuchet MS"/>
+              </a:rPr>
+              <a:t>es</a:t>
+            </a:r>
+            <a:endParaRPr lang="fr-FR" sz="2000" spc="-1" dirty="0">
+              <a:solidFill>
+                <a:srgbClr val="404040"/>
+              </a:solidFill>
+              <a:latin typeface="Trebuchet MS"/>
+            </a:endParaRPr>
           </a:p>
           <a:p>
             <a:pPr marL="343080" indent="-343080">
@@ -22432,7 +22431,7 @@
                 </a:solidFill>
                 <a:latin typeface="Trebuchet MS"/>
               </a:rPr>
-              <a:t>Communications entre applications</a:t>
+              <a:t>Communication entre applications</a:t>
             </a:r>
             <a:endParaRPr lang="en-US" sz="2400" b="0" strike="noStrike" spc="-1" dirty="0">
               <a:solidFill>
@@ -23963,13 +23962,13 @@
   <p:clrMapOvr>
     <a:masterClrMapping/>
   </p:clrMapOvr>
-  <mc:AlternateContent xmlns:mc="http://schemas.openxmlformats.org/markup-compatibility/2006">
-    <mc:Choice xmlns:p159="http://schemas.microsoft.com/office/powerpoint/2015/09/main" Requires="p159">
+  <mc:AlternateContent xmlns:mc="http://schemas.openxmlformats.org/markup-compatibility/2006" xmlns:p159="http://schemas.microsoft.com/office/powerpoint/2015/09/main">
+    <mc:Choice Requires="p159">
       <p:transition xmlns:p14="http://schemas.microsoft.com/office/powerpoint/2010/main" spd="slow" p14:dur="2000">
         <p159:morph option="byObject"/>
       </p:transition>
     </mc:Choice>
-    <mc:Fallback>
+    <mc:Fallback xmlns="">
       <p:transition spd="slow">
         <p:fade/>
       </p:transition>
@@ -24526,7 +24525,7 @@
                 </a:solidFill>
                 <a:latin typeface="Trebuchet MS"/>
               </a:rPr>
-              <a:t>Début des applications en Spécialisation</a:t>
+              <a:t>Début des applications en spécialisation</a:t>
             </a:r>
             <a:endParaRPr lang="en-US" sz="2400" b="0" strike="noStrike" spc="-1" dirty="0">
               <a:solidFill>
@@ -25545,7 +25544,7 @@
                 </a:solidFill>
                 <a:latin typeface="Trebuchet MS"/>
               </a:rPr>
-              <a:t>Récupération des titres.</a:t>
+              <a:t>Récupération des titres</a:t>
             </a:r>
             <a:endParaRPr lang="en-US" sz="2400" b="0" strike="noStrike" spc="-1" dirty="0">
               <a:solidFill>
@@ -26264,7 +26263,7 @@
                 </a:solidFill>
                 <a:latin typeface="Trebuchet MS"/>
               </a:rPr>
-              <a:t>Navigateur Intégré</a:t>
+              <a:t>Navigateur intégré</a:t>
             </a:r>
             <a:endParaRPr lang="en-US" sz="2400" b="0" strike="noStrike" spc="-1" dirty="0">
               <a:solidFill>
